--- a/docs/presentations/20220905/slides.pptx
+++ b/docs/presentations/20220905/slides.pptx
@@ -6,10 +6,10 @@
     <p:sldMasterId id="2147483654" r:id="rId5"/>
   </p:sldMasterIdLst>
   <p:notesMasterIdLst>
-    <p:notesMasterId r:id="rId19"/>
+    <p:notesMasterId r:id="rId20"/>
   </p:notesMasterIdLst>
   <p:handoutMasterIdLst>
-    <p:handoutMasterId r:id="rId20"/>
+    <p:handoutMasterId r:id="rId21"/>
   </p:handoutMasterIdLst>
   <p:sldIdLst>
     <p:sldId id="288" r:id="rId6"/>
@@ -25,6 +25,7 @@
     <p:sldId id="319" r:id="rId16"/>
     <p:sldId id="315" r:id="rId17"/>
     <p:sldId id="323" r:id="rId18"/>
+    <p:sldId id="326" r:id="rId19"/>
   </p:sldIdLst>
   <p:sldSz cx="12192000" cy="6858000"/>
   <p:notesSz cx="6794500" cy="9931400"/>
@@ -184,7 +185,7 @@
 <file path=ppt/revisionInfo.xml><?xml version="1.0" encoding="utf-8"?>
 <p1510:revInfo xmlns:a="http://schemas.openxmlformats.org/drawingml/2006/main" xmlns:r="http://schemas.openxmlformats.org/officeDocument/2006/relationships" xmlns:p1510="http://schemas.microsoft.com/office/powerpoint/2015/10/main">
   <p1510:revLst>
-    <p1510:client id="{44ABC440-BE36-4E57-80F4-923353E0083B}" v="76" dt="2022-09-04T23:20:30.216"/>
+    <p1510:client id="{44ABC440-BE36-4E57-80F4-923353E0083B}" v="79" dt="2022-09-05T06:53:12.024"/>
   </p1510:revLst>
 </p1510:revInfo>
 </file>
@@ -1382,7 +1383,7 @@
         <pc:chgData name="Matthew Suderman" userId="2709995e-3ea8-4fb0-9b62-eb8034dec529" providerId="ADAL" clId="{494F1318-6255-4D87-B28E-76222DCA4808}" dt="2021-09-05T21:41:55.154" v="0" actId="47"/>
         <pc:sldMkLst>
           <pc:docMk/>
-          <pc:sldMk cId="0" sldId="318"/>
+          <pc:sldMk cId="1667566917" sldId="318"/>
         </pc:sldMkLst>
       </pc:sldChg>
       <pc:sldChg chg="del">
@@ -2299,7 +2300,7 @@
   <pc:docChgLst>
     <pc:chgData name="Matthew Suderman" userId="2709995e-3ea8-4fb0-9b62-eb8034dec529" providerId="ADAL" clId="{44ABC440-BE36-4E57-80F4-923353E0083B}"/>
     <pc:docChg chg="undo custSel addSld delSld modSld sldOrd">
-      <pc:chgData name="Matthew Suderman" userId="2709995e-3ea8-4fb0-9b62-eb8034dec529" providerId="ADAL" clId="{44ABC440-BE36-4E57-80F4-923353E0083B}" dt="2022-09-04T23:20:40.523" v="6283" actId="20577"/>
+      <pc:chgData name="Matthew Suderman" userId="2709995e-3ea8-4fb0-9b62-eb8034dec529" providerId="ADAL" clId="{44ABC440-BE36-4E57-80F4-923353E0083B}" dt="2022-09-05T06:59:27.901" v="6908" actId="20577"/>
       <pc:docMkLst>
         <pc:docMk/>
       </pc:docMkLst>
@@ -3042,12 +3043,50 @@
           <pc:sldMk cId="3920098624" sldId="325"/>
         </pc:sldMkLst>
       </pc:sldChg>
+      <pc:sldChg chg="modSp new mod">
+        <pc:chgData name="Matthew Suderman" userId="2709995e-3ea8-4fb0-9b62-eb8034dec529" providerId="ADAL" clId="{44ABC440-BE36-4E57-80F4-923353E0083B}" dt="2022-09-05T06:59:27.901" v="6908" actId="20577"/>
+        <pc:sldMkLst>
+          <pc:docMk/>
+          <pc:sldMk cId="90804322" sldId="326"/>
+        </pc:sldMkLst>
+        <pc:spChg chg="mod">
+          <ac:chgData name="Matthew Suderman" userId="2709995e-3ea8-4fb0-9b62-eb8034dec529" providerId="ADAL" clId="{44ABC440-BE36-4E57-80F4-923353E0083B}" dt="2022-09-05T06:50:47.385" v="6388" actId="20577"/>
+          <ac:spMkLst>
+            <pc:docMk/>
+            <pc:sldMk cId="90804322" sldId="326"/>
+            <ac:spMk id="2" creationId="{C86880A1-B800-8DBE-9D10-972EAA8D88C3}"/>
+          </ac:spMkLst>
+        </pc:spChg>
+        <pc:spChg chg="mod">
+          <ac:chgData name="Matthew Suderman" userId="2709995e-3ea8-4fb0-9b62-eb8034dec529" providerId="ADAL" clId="{44ABC440-BE36-4E57-80F4-923353E0083B}" dt="2022-09-05T06:59:27.901" v="6908" actId="20577"/>
+          <ac:spMkLst>
+            <pc:docMk/>
+            <pc:sldMk cId="90804322" sldId="326"/>
+            <ac:spMk id="3" creationId="{7A573A52-001D-B0BB-0442-E73CCA95BEE8}"/>
+          </ac:spMkLst>
+        </pc:spChg>
+      </pc:sldChg>
       <pc:sldChg chg="del">
         <pc:chgData name="Matthew Suderman" userId="2709995e-3ea8-4fb0-9b62-eb8034dec529" providerId="ADAL" clId="{44ABC440-BE36-4E57-80F4-923353E0083B}" dt="2022-09-04T19:53:46.344" v="13" actId="47"/>
         <pc:sldMkLst>
           <pc:docMk/>
           <pc:sldMk cId="438994705" sldId="326"/>
         </pc:sldMkLst>
+      </pc:sldChg>
+      <pc:sldChg chg="modSp new del mod">
+        <pc:chgData name="Matthew Suderman" userId="2709995e-3ea8-4fb0-9b62-eb8034dec529" providerId="ADAL" clId="{44ABC440-BE36-4E57-80F4-923353E0083B}" dt="2022-09-05T00:12:59.145" v="6288" actId="2696"/>
+        <pc:sldMkLst>
+          <pc:docMk/>
+          <pc:sldMk cId="2619999475" sldId="326"/>
+        </pc:sldMkLst>
+        <pc:spChg chg="mod">
+          <ac:chgData name="Matthew Suderman" userId="2709995e-3ea8-4fb0-9b62-eb8034dec529" providerId="ADAL" clId="{44ABC440-BE36-4E57-80F4-923353E0083B}" dt="2022-09-05T00:12:48.461" v="6287" actId="20577"/>
+          <ac:spMkLst>
+            <pc:docMk/>
+            <pc:sldMk cId="2619999475" sldId="326"/>
+            <ac:spMk id="3" creationId="{DC990579-5387-773F-ECEF-FEFD32DDE5E0}"/>
+          </ac:spMkLst>
+        </pc:spChg>
       </pc:sldChg>
       <pc:sldChg chg="del">
         <pc:chgData name="Matthew Suderman" userId="2709995e-3ea8-4fb0-9b62-eb8034dec529" providerId="ADAL" clId="{44ABC440-BE36-4E57-80F4-923353E0083B}" dt="2022-09-04T19:53:44.039" v="10" actId="47"/>
@@ -3084,13 +3123,13 @@
         <pc:chgData name="Matthew Suderman" userId="2709995e-3ea8-4fb0-9b62-eb8034dec529" providerId="ADAL" clId="{654F4AF2-5394-43CF-A8E6-8EE56F16B67E}" dt="2021-07-25T16:44:54.867" v="357"/>
         <pc:sldMkLst>
           <pc:docMk/>
-          <pc:sldMk cId="0" sldId="318"/>
+          <pc:sldMk cId="1667566917" sldId="318"/>
         </pc:sldMkLst>
         <pc:spChg chg="mod">
           <ac:chgData name="Matthew Suderman" userId="2709995e-3ea8-4fb0-9b62-eb8034dec529" providerId="ADAL" clId="{654F4AF2-5394-43CF-A8E6-8EE56F16B67E}" dt="2021-07-25T16:43:15.158" v="330" actId="20577"/>
           <ac:spMkLst>
             <pc:docMk/>
-            <pc:sldMk cId="0" sldId="318"/>
+            <pc:sldMk cId="1667566917" sldId="318"/>
             <ac:spMk id="2" creationId="{00000000-0000-0000-0000-000000000000}"/>
           </ac:spMkLst>
         </pc:spChg>
@@ -3098,7 +3137,7 @@
           <ac:chgData name="Matthew Suderman" userId="2709995e-3ea8-4fb0-9b62-eb8034dec529" providerId="ADAL" clId="{654F4AF2-5394-43CF-A8E6-8EE56F16B67E}" dt="2021-07-25T16:42:59.396" v="314" actId="1035"/>
           <ac:spMkLst>
             <pc:docMk/>
-            <pc:sldMk cId="0" sldId="318"/>
+            <pc:sldMk cId="1667566917" sldId="318"/>
             <ac:spMk id="6" creationId="{6171DB27-5E3F-442E-AC0D-5BD6E2287E7F}"/>
           </ac:spMkLst>
         </pc:spChg>
@@ -3106,7 +3145,7 @@
           <ac:chgData name="Matthew Suderman" userId="2709995e-3ea8-4fb0-9b62-eb8034dec529" providerId="ADAL" clId="{654F4AF2-5394-43CF-A8E6-8EE56F16B67E}" dt="2021-07-25T16:42:48.969" v="302"/>
           <ac:graphicFrameMkLst>
             <pc:docMk/>
-            <pc:sldMk cId="0" sldId="318"/>
+            <pc:sldMk cId="1667566917" sldId="318"/>
             <ac:graphicFrameMk id="4" creationId="{F534F4DB-5FFD-47BE-B9BC-84765E6BA4F9}"/>
           </ac:graphicFrameMkLst>
         </pc:graphicFrameChg>
@@ -3800,13 +3839,13 @@
         <pc:chgData name="Matthew Suderman" userId="2709995e-3ea8-4fb0-9b62-eb8034dec529" providerId="ADAL" clId="{DF0DE5FE-C3FC-4DFD-AA4A-24BCEA060E47}" dt="2021-06-06T21:47:42.210" v="1732" actId="20577"/>
         <pc:sldMkLst>
           <pc:docMk/>
-          <pc:sldMk cId="0" sldId="318"/>
+          <pc:sldMk cId="1667566917" sldId="318"/>
         </pc:sldMkLst>
         <pc:spChg chg="mod">
           <ac:chgData name="Matthew Suderman" userId="2709995e-3ea8-4fb0-9b62-eb8034dec529" providerId="ADAL" clId="{DF0DE5FE-C3FC-4DFD-AA4A-24BCEA060E47}" dt="2021-06-06T21:39:27.117" v="1175" actId="20577"/>
           <ac:spMkLst>
             <pc:docMk/>
-            <pc:sldMk cId="0" sldId="318"/>
+            <pc:sldMk cId="1667566917" sldId="318"/>
             <ac:spMk id="2" creationId="{00000000-0000-0000-0000-000000000000}"/>
           </ac:spMkLst>
         </pc:spChg>
@@ -3814,7 +3853,7 @@
           <ac:chgData name="Matthew Suderman" userId="2709995e-3ea8-4fb0-9b62-eb8034dec529" providerId="ADAL" clId="{DF0DE5FE-C3FC-4DFD-AA4A-24BCEA060E47}" dt="2021-06-06T21:46:18.969" v="1686" actId="255"/>
           <ac:spMkLst>
             <pc:docMk/>
-            <pc:sldMk cId="0" sldId="318"/>
+            <pc:sldMk cId="1667566917" sldId="318"/>
             <ac:spMk id="6" creationId="{6171DB27-5E3F-442E-AC0D-5BD6E2287E7F}"/>
           </ac:spMkLst>
         </pc:spChg>
@@ -3822,7 +3861,7 @@
           <ac:chgData name="Matthew Suderman" userId="2709995e-3ea8-4fb0-9b62-eb8034dec529" providerId="ADAL" clId="{DF0DE5FE-C3FC-4DFD-AA4A-24BCEA060E47}" dt="2021-06-05T22:35:13.271" v="44"/>
           <ac:graphicFrameMkLst>
             <pc:docMk/>
-            <pc:sldMk cId="0" sldId="318"/>
+            <pc:sldMk cId="1667566917" sldId="318"/>
             <ac:graphicFrameMk id="3" creationId="{D29BE5BE-2017-43EB-B98D-BAC4C7BF931D}"/>
           </ac:graphicFrameMkLst>
         </pc:graphicFrameChg>
@@ -3830,7 +3869,7 @@
           <ac:chgData name="Matthew Suderman" userId="2709995e-3ea8-4fb0-9b62-eb8034dec529" providerId="ADAL" clId="{DF0DE5FE-C3FC-4DFD-AA4A-24BCEA060E47}" dt="2021-06-06T21:47:42.210" v="1732" actId="20577"/>
           <ac:graphicFrameMkLst>
             <pc:docMk/>
-            <pc:sldMk cId="0" sldId="318"/>
+            <pc:sldMk cId="1667566917" sldId="318"/>
             <ac:graphicFrameMk id="4" creationId="{F534F4DB-5FFD-47BE-B9BC-84765E6BA4F9}"/>
           </ac:graphicFrameMkLst>
         </pc:graphicFrameChg>
@@ -3838,7 +3877,7 @@
           <ac:chgData name="Matthew Suderman" userId="2709995e-3ea8-4fb0-9b62-eb8034dec529" providerId="ADAL" clId="{DF0DE5FE-C3FC-4DFD-AA4A-24BCEA060E47}" dt="2021-06-06T21:42:35.553" v="1228"/>
           <ac:graphicFrameMkLst>
             <pc:docMk/>
-            <pc:sldMk cId="0" sldId="318"/>
+            <pc:sldMk cId="1667566917" sldId="318"/>
             <ac:graphicFrameMk id="5" creationId="{37B02C81-AC22-4E75-96A8-5B7652D81171}"/>
           </ac:graphicFrameMkLst>
         </pc:graphicFrameChg>
@@ -4653,13 +4692,13 @@
         <pc:chgData name="Matthew Suderman" userId="2709995e-3ea8-4fb0-9b62-eb8034dec529" providerId="ADAL" clId="{4929D89B-CC43-4C41-92A5-3ABC52AE066B}" dt="2021-05-08T22:10:57.577" v="911" actId="1076"/>
         <pc:sldMkLst>
           <pc:docMk/>
-          <pc:sldMk cId="0" sldId="318"/>
+          <pc:sldMk cId="1667566917" sldId="318"/>
         </pc:sldMkLst>
         <pc:spChg chg="mod">
           <ac:chgData name="Matthew Suderman" userId="2709995e-3ea8-4fb0-9b62-eb8034dec529" providerId="ADAL" clId="{4929D89B-CC43-4C41-92A5-3ABC52AE066B}" dt="2021-05-08T21:43:49.766" v="201" actId="20577"/>
           <ac:spMkLst>
             <pc:docMk/>
-            <pc:sldMk cId="0" sldId="318"/>
+            <pc:sldMk cId="1667566917" sldId="318"/>
             <ac:spMk id="2" creationId="{00000000-0000-0000-0000-000000000000}"/>
           </ac:spMkLst>
         </pc:spChg>
@@ -4667,7 +4706,7 @@
           <ac:chgData name="Matthew Suderman" userId="2709995e-3ea8-4fb0-9b62-eb8034dec529" providerId="ADAL" clId="{4929D89B-CC43-4C41-92A5-3ABC52AE066B}" dt="2021-05-08T21:44:02.088" v="202" actId="3680"/>
           <ac:spMkLst>
             <pc:docMk/>
-            <pc:sldMk cId="0" sldId="318"/>
+            <pc:sldMk cId="1667566917" sldId="318"/>
             <ac:spMk id="3" creationId="{00000000-0000-0000-0000-000000000000}"/>
           </ac:spMkLst>
         </pc:spChg>
@@ -4675,7 +4714,7 @@
           <ac:chgData name="Matthew Suderman" userId="2709995e-3ea8-4fb0-9b62-eb8034dec529" providerId="ADAL" clId="{4929D89B-CC43-4C41-92A5-3ABC52AE066B}" dt="2021-05-08T22:10:57.577" v="911" actId="1076"/>
           <ac:graphicFrameMkLst>
             <pc:docMk/>
-            <pc:sldMk cId="0" sldId="318"/>
+            <pc:sldMk cId="1667566917" sldId="318"/>
             <ac:graphicFrameMk id="4" creationId="{F534F4DB-5FFD-47BE-B9BC-84765E6BA4F9}"/>
           </ac:graphicFrameMkLst>
         </pc:graphicFrameChg>
@@ -8958,13 +8997,13 @@
         <pc:chgData name="Matthew Suderman" userId="2709995e-3ea8-4fb0-9b62-eb8034dec529" providerId="ADAL" clId="{37585BB9-C2A3-49A6-AE98-61830FCDBBE6}" dt="2021-07-05T10:30:51.127" v="4043" actId="20577"/>
         <pc:sldMkLst>
           <pc:docMk/>
-          <pc:sldMk cId="0" sldId="318"/>
+          <pc:sldMk cId="1667566917" sldId="318"/>
         </pc:sldMkLst>
         <pc:spChg chg="mod">
           <ac:chgData name="Matthew Suderman" userId="2709995e-3ea8-4fb0-9b62-eb8034dec529" providerId="ADAL" clId="{37585BB9-C2A3-49A6-AE98-61830FCDBBE6}" dt="2021-06-27T14:05:32.965" v="101" actId="20577"/>
           <ac:spMkLst>
             <pc:docMk/>
-            <pc:sldMk cId="0" sldId="318"/>
+            <pc:sldMk cId="1667566917" sldId="318"/>
             <ac:spMk id="2" creationId="{00000000-0000-0000-0000-000000000000}"/>
           </ac:spMkLst>
         </pc:spChg>
@@ -8972,7 +9011,7 @@
           <ac:chgData name="Matthew Suderman" userId="2709995e-3ea8-4fb0-9b62-eb8034dec529" providerId="ADAL" clId="{37585BB9-C2A3-49A6-AE98-61830FCDBBE6}" dt="2021-07-05T10:30:51.127" v="4043" actId="20577"/>
           <ac:spMkLst>
             <pc:docMk/>
-            <pc:sldMk cId="0" sldId="318"/>
+            <pc:sldMk cId="1667566917" sldId="318"/>
             <ac:spMk id="6" creationId="{6171DB27-5E3F-442E-AC0D-5BD6E2287E7F}"/>
           </ac:spMkLst>
         </pc:spChg>
@@ -8980,7 +9019,7 @@
           <ac:chgData name="Matthew Suderman" userId="2709995e-3ea8-4fb0-9b62-eb8034dec529" providerId="ADAL" clId="{37585BB9-C2A3-49A6-AE98-61830FCDBBE6}" dt="2021-07-05T10:30:07.093" v="4003" actId="20577"/>
           <ac:graphicFrameMkLst>
             <pc:docMk/>
-            <pc:sldMk cId="0" sldId="318"/>
+            <pc:sldMk cId="1667566917" sldId="318"/>
             <ac:graphicFrameMk id="4" creationId="{F534F4DB-5FFD-47BE-B9BC-84765E6BA4F9}"/>
           </ac:graphicFrameMkLst>
         </pc:graphicFrameChg>
@@ -15242,6 +15281,207 @@
 </p:sld>
 </file>
 
+<file path=ppt/slides/slide14.xml><?xml version="1.0" encoding="utf-8"?>
+<p:sld xmlns:a="http://schemas.openxmlformats.org/drawingml/2006/main" xmlns:r="http://schemas.openxmlformats.org/officeDocument/2006/relationships" xmlns:p="http://schemas.openxmlformats.org/presentationml/2006/main">
+  <p:cSld>
+    <p:spTree>
+      <p:nvGrpSpPr>
+        <p:cNvPr id="1" name=""/>
+        <p:cNvGrpSpPr/>
+        <p:nvPr/>
+      </p:nvGrpSpPr>
+      <p:grpSpPr>
+        <a:xfrm>
+          <a:off x="0" y="0"/>
+          <a:ext cx="0" cy="0"/>
+          <a:chOff x="0" y="0"/>
+          <a:chExt cx="0" cy="0"/>
+        </a:xfrm>
+      </p:grpSpPr>
+      <p:sp>
+        <p:nvSpPr>
+          <p:cNvPr id="2" name="Title 1">
+            <a:extLst>
+              <a:ext uri="{FF2B5EF4-FFF2-40B4-BE49-F238E27FC236}">
+                <a16:creationId xmlns:a16="http://schemas.microsoft.com/office/drawing/2014/main" id="{C86880A1-B800-8DBE-9D10-972EAA8D88C3}"/>
+              </a:ext>
+            </a:extLst>
+          </p:cNvPr>
+          <p:cNvSpPr>
+            <a:spLocks noGrp="1"/>
+          </p:cNvSpPr>
+          <p:nvPr>
+            <p:ph type="title"/>
+          </p:nvPr>
+        </p:nvSpPr>
+        <p:spPr/>
+        <p:txBody>
+          <a:bodyPr/>
+          <a:lstStyle/>
+          <a:p>
+            <a:r>
+              <a:rPr lang="en-CA" dirty="0"/>
+              <a:t>Would you like to teach this year?!</a:t>
+            </a:r>
+            <a:endParaRPr lang="en-US" dirty="0"/>
+          </a:p>
+        </p:txBody>
+      </p:sp>
+      <p:sp>
+        <p:nvSpPr>
+          <p:cNvPr id="3" name="Content Placeholder 2">
+            <a:extLst>
+              <a:ext uri="{FF2B5EF4-FFF2-40B4-BE49-F238E27FC236}">
+                <a16:creationId xmlns:a16="http://schemas.microsoft.com/office/drawing/2014/main" id="{7A573A52-001D-B0BB-0442-E73CCA95BEE8}"/>
+              </a:ext>
+            </a:extLst>
+          </p:cNvPr>
+          <p:cNvSpPr>
+            <a:spLocks noGrp="1"/>
+          </p:cNvSpPr>
+          <p:nvPr>
+            <p:ph idx="1"/>
+          </p:nvPr>
+        </p:nvSpPr>
+        <p:spPr/>
+        <p:txBody>
+          <a:bodyPr/>
+          <a:lstStyle/>
+          <a:p>
+            <a:r>
+              <a:rPr lang="en-US" dirty="0">
+                <a:hlinkClick r:id="rId2"/>
+              </a:rPr>
+              <a:t>Epigenetic Epidemiology short course</a:t>
+            </a:r>
+            <a:br>
+              <a:rPr lang="en-US" dirty="0"/>
+            </a:br>
+            <a:r>
+              <a:rPr lang="en-US" dirty="0"/>
+              <a:t>8 - 10 May 2023</a:t>
+            </a:r>
+            <a:br>
+              <a:rPr lang="en-US" dirty="0"/>
+            </a:br>
+            <a:endParaRPr lang="en-US" dirty="0"/>
+          </a:p>
+          <a:p>
+            <a:r>
+              <a:rPr lang="en-US" dirty="0">
+                <a:hlinkClick r:id="rId3"/>
+              </a:rPr>
+              <a:t>Advanced Epigenetic Epidemiology short course</a:t>
+            </a:r>
+            <a:br>
+              <a:rPr lang="en-US" dirty="0"/>
+            </a:br>
+            <a:r>
+              <a:rPr lang="en-US" dirty="0"/>
+              <a:t>18 - 19 May 2023</a:t>
+            </a:r>
+          </a:p>
+          <a:p>
+            <a:endParaRPr lang="en-US" dirty="0"/>
+          </a:p>
+          <a:p>
+            <a:r>
+              <a:rPr lang="en-US" b="1" dirty="0"/>
+              <a:t>New! </a:t>
+            </a:r>
+            <a:r>
+              <a:rPr lang="en-US" dirty="0"/>
+              <a:t>Machine learning module in the Medical Statistics and Data Science MSc </a:t>
+            </a:r>
+            <a:r>
+              <a:rPr lang="en-US" dirty="0" err="1"/>
+              <a:t>programme</a:t>
+            </a:r>
+            <a:br>
+              <a:rPr lang="en-US" dirty="0"/>
+            </a:br>
+            <a:r>
+              <a:rPr lang="en-US" dirty="0"/>
+              <a:t>Jan 26 – April 27 2023</a:t>
+            </a:r>
+          </a:p>
+          <a:p>
+            <a:pPr marL="800100" lvl="2" indent="0">
+              <a:buNone/>
+            </a:pPr>
+            <a:r>
+              <a:rPr lang="en-US" dirty="0"/>
+              <a:t>Introduction to machine learning</a:t>
+            </a:r>
+            <a:br>
+              <a:rPr lang="en-US" dirty="0"/>
+            </a:br>
+            <a:r>
+              <a:rPr lang="en-US" dirty="0"/>
+              <a:t>Machine learning algorithms </a:t>
+            </a:r>
+            <a:br>
+              <a:rPr lang="en-US" dirty="0"/>
+            </a:br>
+            <a:r>
+              <a:rPr lang="en-US" dirty="0"/>
+              <a:t>Machine learning tools and environments</a:t>
+            </a:r>
+            <a:br>
+              <a:rPr lang="en-US" dirty="0"/>
+            </a:br>
+            <a:r>
+              <a:rPr lang="en-US" dirty="0"/>
+              <a:t>Assessing performance                                   (Valerio Maggio)</a:t>
+            </a:r>
+            <a:br>
+              <a:rPr lang="en-US" dirty="0"/>
+            </a:br>
+            <a:r>
+              <a:rPr lang="en-US" dirty="0"/>
+              <a:t>Ethical issues                                                   (Helen Smith)</a:t>
+            </a:r>
+            <a:br>
+              <a:rPr lang="en-US" dirty="0"/>
+            </a:br>
+            <a:r>
+              <a:rPr lang="en-US" dirty="0"/>
+              <a:t>Common challenges, pitfalls and limitations</a:t>
+            </a:r>
+            <a:br>
+              <a:rPr lang="en-US" dirty="0"/>
+            </a:br>
+            <a:r>
+              <a:rPr lang="en-US" dirty="0"/>
+              <a:t>Interpreting black box models</a:t>
+            </a:r>
+            <a:br>
+              <a:rPr lang="en-US" dirty="0"/>
+            </a:br>
+            <a:r>
+              <a:rPr lang="en-US" dirty="0"/>
+              <a:t>Automated causal inference </a:t>
+            </a:r>
+          </a:p>
+          <a:p>
+            <a:endParaRPr lang="en-US" dirty="0"/>
+          </a:p>
+        </p:txBody>
+      </p:sp>
+    </p:spTree>
+    <p:extLst>
+      <p:ext uri="{BB962C8B-B14F-4D97-AF65-F5344CB8AC3E}">
+        <p14:creationId xmlns:p14="http://schemas.microsoft.com/office/powerpoint/2010/main" val="90804322"/>
+      </p:ext>
+    </p:extLst>
+  </p:cSld>
+  <p:clrMapOvr>
+    <a:masterClrMapping/>
+  </p:clrMapOvr>
+  <p:transition spd="med"/>
+</p:sld>
+</file>
+
 <file path=ppt/slides/slide2.xml><?xml version="1.0" encoding="utf-8"?>
 <p:sld xmlns:a="http://schemas.openxmlformats.org/drawingml/2006/main" xmlns:r="http://schemas.openxmlformats.org/officeDocument/2006/relationships" xmlns:p="http://schemas.openxmlformats.org/presentationml/2006/main">
   <p:cSld>
